--- a/powerpoint/prez.pptx
+++ b/powerpoint/prez.pptx
@@ -220,7 +220,7 @@
           <a:p>
             <a:fld id="{3C467596-5410-41F7-A484-D189F28AAE8F}" type="datetimeFigureOut">
               <a:rPr lang="zh-CN" altLang="en-US" smtClean="0"/>
-              <a:t>2022/11/26</a:t>
+              <a:t>2022/12/12</a:t>
             </a:fld>
             <a:endParaRPr lang="zh-CN" altLang="en-US"/>
           </a:p>
@@ -9850,13 +9850,13 @@
   <p:clrMapOvr>
     <a:masterClrMapping/>
   </p:clrMapOvr>
-  <mc:AlternateContent xmlns:mc="http://schemas.openxmlformats.org/markup-compatibility/2006">
-    <mc:Choice xmlns:p14="http://schemas.microsoft.com/office/powerpoint/2010/main" Requires="p14">
+  <mc:AlternateContent xmlns:mc="http://schemas.openxmlformats.org/markup-compatibility/2006" xmlns:p14="http://schemas.microsoft.com/office/powerpoint/2010/main">
+    <mc:Choice Requires="p14">
       <p:transition spd="slow">
         <p14:gallery dir="l"/>
       </p:transition>
     </mc:Choice>
-    <mc:Fallback>
+    <mc:Fallback xmlns="">
       <p:transition spd="slow">
         <p:fade/>
       </p:transition>
@@ -11076,13 +11076,13 @@
   <p:clrMapOvr>
     <a:masterClrMapping/>
   </p:clrMapOvr>
-  <mc:AlternateContent xmlns:mc="http://schemas.openxmlformats.org/markup-compatibility/2006">
-    <mc:Choice xmlns:p14="http://schemas.microsoft.com/office/powerpoint/2010/main" Requires="p14">
+  <mc:AlternateContent xmlns:mc="http://schemas.openxmlformats.org/markup-compatibility/2006" xmlns:p14="http://schemas.microsoft.com/office/powerpoint/2010/main">
+    <mc:Choice Requires="p14">
       <p:transition spd="slow">
         <p14:gallery dir="l"/>
       </p:transition>
     </mc:Choice>
-    <mc:Fallback>
+    <mc:Fallback xmlns="">
       <p:transition spd="slow">
         <p:fade/>
       </p:transition>
@@ -12473,13 +12473,13 @@
   <p:clrMapOvr>
     <a:masterClrMapping/>
   </p:clrMapOvr>
-  <mc:AlternateContent xmlns:mc="http://schemas.openxmlformats.org/markup-compatibility/2006">
-    <mc:Choice xmlns:p14="http://schemas.microsoft.com/office/powerpoint/2010/main" Requires="p14">
+  <mc:AlternateContent xmlns:mc="http://schemas.openxmlformats.org/markup-compatibility/2006" xmlns:p14="http://schemas.microsoft.com/office/powerpoint/2010/main">
+    <mc:Choice Requires="p14">
       <p:transition spd="slow">
         <p14:gallery dir="l"/>
       </p:transition>
     </mc:Choice>
-    <mc:Fallback>
+    <mc:Fallback xmlns="">
       <p:transition spd="slow">
         <p:fade/>
       </p:transition>
@@ -17274,13 +17274,13 @@
   <p:clrMapOvr>
     <a:masterClrMapping/>
   </p:clrMapOvr>
-  <mc:AlternateContent xmlns:mc="http://schemas.openxmlformats.org/markup-compatibility/2006">
-    <mc:Choice xmlns:p14="http://schemas.microsoft.com/office/powerpoint/2010/main" Requires="p14">
+  <mc:AlternateContent xmlns:mc="http://schemas.openxmlformats.org/markup-compatibility/2006" xmlns:p14="http://schemas.microsoft.com/office/powerpoint/2010/main">
+    <mc:Choice Requires="p14">
       <p:transition spd="slow">
         <p14:gallery dir="l"/>
       </p:transition>
     </mc:Choice>
-    <mc:Fallback>
+    <mc:Fallback xmlns="">
       <p:transition spd="slow">
         <p:fade/>
       </p:transition>
